--- a/ppt 16-9/0303.相聚在圣山.pptx
+++ b/ppt 16-9/0303.相聚在圣山.pptx
@@ -129,7 +129,7 @@
           <p:cNvPr id="2" name="标题 1">
             <a:extLst>
               <a:ext uri="{FF2B5EF4-FFF2-40B4-BE49-F238E27FC236}">
-                <a16:creationId xmlns:a16="http://schemas.microsoft.com/office/drawing/2014/main" id="{035FAE34-9FD7-3162-30C3-0B0FB4D8DDC7}"/>
+                <a16:creationId xmlns:a16="http://schemas.microsoft.com/office/drawing/2014/main" id="{B6EE1148-CD65-B0AD-C904-6D4A402ED00F}"/>
               </a:ext>
             </a:extLst>
           </p:cNvPr>
@@ -166,7 +166,7 @@
           <p:cNvPr id="3" name="副标题 2">
             <a:extLst>
               <a:ext uri="{FF2B5EF4-FFF2-40B4-BE49-F238E27FC236}">
-                <a16:creationId xmlns:a16="http://schemas.microsoft.com/office/drawing/2014/main" id="{40D23853-D2ED-9C27-133F-1A94DCCFC5D3}"/>
+                <a16:creationId xmlns:a16="http://schemas.microsoft.com/office/drawing/2014/main" id="{965905B9-B675-0D0E-7DA9-C98D9EC471F2}"/>
               </a:ext>
             </a:extLst>
           </p:cNvPr>
@@ -236,7 +236,7 @@
           <p:cNvPr id="4" name="日期占位符 3">
             <a:extLst>
               <a:ext uri="{FF2B5EF4-FFF2-40B4-BE49-F238E27FC236}">
-                <a16:creationId xmlns:a16="http://schemas.microsoft.com/office/drawing/2014/main" id="{D3B30019-BE86-03B9-76E1-D454AC4CA2AE}"/>
+                <a16:creationId xmlns:a16="http://schemas.microsoft.com/office/drawing/2014/main" id="{0722020C-E7B1-CEC7-3E91-8A78C606A689}"/>
               </a:ext>
             </a:extLst>
           </p:cNvPr>
@@ -252,7 +252,7 @@
           <a:bodyPr/>
           <a:lstStyle/>
           <a:p>
-            <a:fld id="{507DEE7B-DE78-42BB-9E53-CE763C9A1634}" type="datetimeFigureOut">
+            <a:fld id="{F93EE9C0-59F9-43AD-925D-063E09DC2D68}" type="datetimeFigureOut">
               <a:rPr lang="zh-CN" altLang="en-US" smtClean="0"/>
               <a:t>2024/3/10</a:t>
             </a:fld>
@@ -265,7 +265,7 @@
           <p:cNvPr id="5" name="页脚占位符 4">
             <a:extLst>
               <a:ext uri="{FF2B5EF4-FFF2-40B4-BE49-F238E27FC236}">
-                <a16:creationId xmlns:a16="http://schemas.microsoft.com/office/drawing/2014/main" id="{34FBFC2B-C73B-DB3C-81A7-882936F7BE9E}"/>
+                <a16:creationId xmlns:a16="http://schemas.microsoft.com/office/drawing/2014/main" id="{CDE5BE7E-D2E0-4FB8-6F97-73AFEB4DE0DF}"/>
               </a:ext>
             </a:extLst>
           </p:cNvPr>
@@ -290,7 +290,7 @@
           <p:cNvPr id="6" name="灯片编号占位符 5">
             <a:extLst>
               <a:ext uri="{FF2B5EF4-FFF2-40B4-BE49-F238E27FC236}">
-                <a16:creationId xmlns:a16="http://schemas.microsoft.com/office/drawing/2014/main" id="{7F49D2E1-1034-FEBD-8C8C-F1945662D06C}"/>
+                <a16:creationId xmlns:a16="http://schemas.microsoft.com/office/drawing/2014/main" id="{AC984E50-AB6A-4FA6-8D5A-23987367AF16}"/>
               </a:ext>
             </a:extLst>
           </p:cNvPr>
@@ -306,7 +306,7 @@
           <a:bodyPr/>
           <a:lstStyle/>
           <a:p>
-            <a:fld id="{19942172-357B-496B-8087-8916991FC31A}" type="slidenum">
+            <a:fld id="{324ED1B6-15AE-47D0-A1A2-2151DC21E407}" type="slidenum">
               <a:rPr lang="zh-CN" altLang="en-US" smtClean="0"/>
               <a:t>‹#›</a:t>
             </a:fld>
@@ -317,7 +317,7 @@
     </p:spTree>
     <p:extLst>
       <p:ext uri="{BB962C8B-B14F-4D97-AF65-F5344CB8AC3E}">
-        <p14:creationId xmlns:p14="http://schemas.microsoft.com/office/powerpoint/2010/main" val="377170876"/>
+        <p14:creationId xmlns:p14="http://schemas.microsoft.com/office/powerpoint/2010/main" val="2580612853"/>
       </p:ext>
     </p:extLst>
   </p:cSld>
@@ -349,7 +349,7 @@
           <p:cNvPr id="2" name="标题 1">
             <a:extLst>
               <a:ext uri="{FF2B5EF4-FFF2-40B4-BE49-F238E27FC236}">
-                <a16:creationId xmlns:a16="http://schemas.microsoft.com/office/drawing/2014/main" id="{5B1F3103-30F8-FBDC-42B2-DF971836F99D}"/>
+                <a16:creationId xmlns:a16="http://schemas.microsoft.com/office/drawing/2014/main" id="{9D002D17-70CE-DC2D-93AE-8C2932311B5F}"/>
               </a:ext>
             </a:extLst>
           </p:cNvPr>
@@ -377,7 +377,7 @@
           <p:cNvPr id="3" name="竖排文字占位符 2">
             <a:extLst>
               <a:ext uri="{FF2B5EF4-FFF2-40B4-BE49-F238E27FC236}">
-                <a16:creationId xmlns:a16="http://schemas.microsoft.com/office/drawing/2014/main" id="{7B778022-C1D8-E816-FF61-9A5F977A7E78}"/>
+                <a16:creationId xmlns:a16="http://schemas.microsoft.com/office/drawing/2014/main" id="{4B8FF137-5FBB-263D-652E-C72FFCADA8FB}"/>
               </a:ext>
             </a:extLst>
           </p:cNvPr>
@@ -434,7 +434,7 @@
           <p:cNvPr id="4" name="日期占位符 3">
             <a:extLst>
               <a:ext uri="{FF2B5EF4-FFF2-40B4-BE49-F238E27FC236}">
-                <a16:creationId xmlns:a16="http://schemas.microsoft.com/office/drawing/2014/main" id="{4483CA8C-8DB0-77DB-1291-271466FDFC5B}"/>
+                <a16:creationId xmlns:a16="http://schemas.microsoft.com/office/drawing/2014/main" id="{9C7DBBA2-5953-B49D-3532-88645C30049C}"/>
               </a:ext>
             </a:extLst>
           </p:cNvPr>
@@ -450,7 +450,7 @@
           <a:bodyPr/>
           <a:lstStyle/>
           <a:p>
-            <a:fld id="{507DEE7B-DE78-42BB-9E53-CE763C9A1634}" type="datetimeFigureOut">
+            <a:fld id="{F93EE9C0-59F9-43AD-925D-063E09DC2D68}" type="datetimeFigureOut">
               <a:rPr lang="zh-CN" altLang="en-US" smtClean="0"/>
               <a:t>2024/3/10</a:t>
             </a:fld>
@@ -463,7 +463,7 @@
           <p:cNvPr id="5" name="页脚占位符 4">
             <a:extLst>
               <a:ext uri="{FF2B5EF4-FFF2-40B4-BE49-F238E27FC236}">
-                <a16:creationId xmlns:a16="http://schemas.microsoft.com/office/drawing/2014/main" id="{D749BB5C-2ECB-6F09-63C4-FF048B53821B}"/>
+                <a16:creationId xmlns:a16="http://schemas.microsoft.com/office/drawing/2014/main" id="{0B5FBEF8-9C84-463B-7A6B-2080D6F79832}"/>
               </a:ext>
             </a:extLst>
           </p:cNvPr>
@@ -488,7 +488,7 @@
           <p:cNvPr id="6" name="灯片编号占位符 5">
             <a:extLst>
               <a:ext uri="{FF2B5EF4-FFF2-40B4-BE49-F238E27FC236}">
-                <a16:creationId xmlns:a16="http://schemas.microsoft.com/office/drawing/2014/main" id="{5E383FDC-B577-A70F-8F90-40BA05B1D917}"/>
+                <a16:creationId xmlns:a16="http://schemas.microsoft.com/office/drawing/2014/main" id="{0861EBC7-8BEC-69CD-B5FB-7F73342312A2}"/>
               </a:ext>
             </a:extLst>
           </p:cNvPr>
@@ -504,7 +504,7 @@
           <a:bodyPr/>
           <a:lstStyle/>
           <a:p>
-            <a:fld id="{19942172-357B-496B-8087-8916991FC31A}" type="slidenum">
+            <a:fld id="{324ED1B6-15AE-47D0-A1A2-2151DC21E407}" type="slidenum">
               <a:rPr lang="zh-CN" altLang="en-US" smtClean="0"/>
               <a:t>‹#›</a:t>
             </a:fld>
@@ -515,7 +515,7 @@
     </p:spTree>
     <p:extLst>
       <p:ext uri="{BB962C8B-B14F-4D97-AF65-F5344CB8AC3E}">
-        <p14:creationId xmlns:p14="http://schemas.microsoft.com/office/powerpoint/2010/main" val="2584984666"/>
+        <p14:creationId xmlns:p14="http://schemas.microsoft.com/office/powerpoint/2010/main" val="2267919280"/>
       </p:ext>
     </p:extLst>
   </p:cSld>
@@ -547,7 +547,7 @@
           <p:cNvPr id="2" name="竖排标题 1">
             <a:extLst>
               <a:ext uri="{FF2B5EF4-FFF2-40B4-BE49-F238E27FC236}">
-                <a16:creationId xmlns:a16="http://schemas.microsoft.com/office/drawing/2014/main" id="{722CC6B0-4DCC-7CC8-4CFC-21E2A2C12073}"/>
+                <a16:creationId xmlns:a16="http://schemas.microsoft.com/office/drawing/2014/main" id="{25130133-3902-9E85-F38A-477583F30B26}"/>
               </a:ext>
             </a:extLst>
           </p:cNvPr>
@@ -580,7 +580,7 @@
           <p:cNvPr id="3" name="竖排文字占位符 2">
             <a:extLst>
               <a:ext uri="{FF2B5EF4-FFF2-40B4-BE49-F238E27FC236}">
-                <a16:creationId xmlns:a16="http://schemas.microsoft.com/office/drawing/2014/main" id="{5EF6B2C4-748C-95D4-31DA-17088A631AB8}"/>
+                <a16:creationId xmlns:a16="http://schemas.microsoft.com/office/drawing/2014/main" id="{DF6D9DF7-C8E4-5EC4-A950-0ACD959E5776}"/>
               </a:ext>
             </a:extLst>
           </p:cNvPr>
@@ -642,7 +642,7 @@
           <p:cNvPr id="4" name="日期占位符 3">
             <a:extLst>
               <a:ext uri="{FF2B5EF4-FFF2-40B4-BE49-F238E27FC236}">
-                <a16:creationId xmlns:a16="http://schemas.microsoft.com/office/drawing/2014/main" id="{5533ECE6-026C-FD17-1EB5-3052F2D4BDBD}"/>
+                <a16:creationId xmlns:a16="http://schemas.microsoft.com/office/drawing/2014/main" id="{95B99911-EE97-A859-6962-BEDA93F422DD}"/>
               </a:ext>
             </a:extLst>
           </p:cNvPr>
@@ -658,7 +658,7 @@
           <a:bodyPr/>
           <a:lstStyle/>
           <a:p>
-            <a:fld id="{507DEE7B-DE78-42BB-9E53-CE763C9A1634}" type="datetimeFigureOut">
+            <a:fld id="{F93EE9C0-59F9-43AD-925D-063E09DC2D68}" type="datetimeFigureOut">
               <a:rPr lang="zh-CN" altLang="en-US" smtClean="0"/>
               <a:t>2024/3/10</a:t>
             </a:fld>
@@ -671,7 +671,7 @@
           <p:cNvPr id="5" name="页脚占位符 4">
             <a:extLst>
               <a:ext uri="{FF2B5EF4-FFF2-40B4-BE49-F238E27FC236}">
-                <a16:creationId xmlns:a16="http://schemas.microsoft.com/office/drawing/2014/main" id="{B9448DB3-731D-8A77-CB22-8098E5B5E2E8}"/>
+                <a16:creationId xmlns:a16="http://schemas.microsoft.com/office/drawing/2014/main" id="{4577BAD4-A1D4-2B0B-BE60-E54ECD087CF8}"/>
               </a:ext>
             </a:extLst>
           </p:cNvPr>
@@ -696,7 +696,7 @@
           <p:cNvPr id="6" name="灯片编号占位符 5">
             <a:extLst>
               <a:ext uri="{FF2B5EF4-FFF2-40B4-BE49-F238E27FC236}">
-                <a16:creationId xmlns:a16="http://schemas.microsoft.com/office/drawing/2014/main" id="{A2DC5F69-FD3E-7581-41B7-DA9099644D80}"/>
+                <a16:creationId xmlns:a16="http://schemas.microsoft.com/office/drawing/2014/main" id="{580FFA96-2CB7-D578-1657-62001147A920}"/>
               </a:ext>
             </a:extLst>
           </p:cNvPr>
@@ -712,7 +712,7 @@
           <a:bodyPr/>
           <a:lstStyle/>
           <a:p>
-            <a:fld id="{19942172-357B-496B-8087-8916991FC31A}" type="slidenum">
+            <a:fld id="{324ED1B6-15AE-47D0-A1A2-2151DC21E407}" type="slidenum">
               <a:rPr lang="zh-CN" altLang="en-US" smtClean="0"/>
               <a:t>‹#›</a:t>
             </a:fld>
@@ -723,7 +723,7 @@
     </p:spTree>
     <p:extLst>
       <p:ext uri="{BB962C8B-B14F-4D97-AF65-F5344CB8AC3E}">
-        <p14:creationId xmlns:p14="http://schemas.microsoft.com/office/powerpoint/2010/main" val="2106369608"/>
+        <p14:creationId xmlns:p14="http://schemas.microsoft.com/office/powerpoint/2010/main" val="1608054642"/>
       </p:ext>
     </p:extLst>
   </p:cSld>
@@ -755,7 +755,7 @@
           <p:cNvPr id="2" name="标题 1">
             <a:extLst>
               <a:ext uri="{FF2B5EF4-FFF2-40B4-BE49-F238E27FC236}">
-                <a16:creationId xmlns:a16="http://schemas.microsoft.com/office/drawing/2014/main" id="{A5829AEE-E9DF-BE49-310C-EC3FB243142D}"/>
+                <a16:creationId xmlns:a16="http://schemas.microsoft.com/office/drawing/2014/main" id="{CEA0A246-C492-D825-07A1-56903EC3398E}"/>
               </a:ext>
             </a:extLst>
           </p:cNvPr>
@@ -783,7 +783,7 @@
           <p:cNvPr id="3" name="内容占位符 2">
             <a:extLst>
               <a:ext uri="{FF2B5EF4-FFF2-40B4-BE49-F238E27FC236}">
-                <a16:creationId xmlns:a16="http://schemas.microsoft.com/office/drawing/2014/main" id="{B5DCAA35-47DE-0E60-369D-39A6063546C7}"/>
+                <a16:creationId xmlns:a16="http://schemas.microsoft.com/office/drawing/2014/main" id="{A242389F-BCF4-6D5A-2DCB-F22C85B7F0CC}"/>
               </a:ext>
             </a:extLst>
           </p:cNvPr>
@@ -840,7 +840,7 @@
           <p:cNvPr id="4" name="日期占位符 3">
             <a:extLst>
               <a:ext uri="{FF2B5EF4-FFF2-40B4-BE49-F238E27FC236}">
-                <a16:creationId xmlns:a16="http://schemas.microsoft.com/office/drawing/2014/main" id="{BD6482C5-47A4-9B3D-A4DF-331F86651A74}"/>
+                <a16:creationId xmlns:a16="http://schemas.microsoft.com/office/drawing/2014/main" id="{342B82E7-8453-2188-2B8A-658A9FF84562}"/>
               </a:ext>
             </a:extLst>
           </p:cNvPr>
@@ -856,7 +856,7 @@
           <a:bodyPr/>
           <a:lstStyle/>
           <a:p>
-            <a:fld id="{507DEE7B-DE78-42BB-9E53-CE763C9A1634}" type="datetimeFigureOut">
+            <a:fld id="{F93EE9C0-59F9-43AD-925D-063E09DC2D68}" type="datetimeFigureOut">
               <a:rPr lang="zh-CN" altLang="en-US" smtClean="0"/>
               <a:t>2024/3/10</a:t>
             </a:fld>
@@ -869,7 +869,7 @@
           <p:cNvPr id="5" name="页脚占位符 4">
             <a:extLst>
               <a:ext uri="{FF2B5EF4-FFF2-40B4-BE49-F238E27FC236}">
-                <a16:creationId xmlns:a16="http://schemas.microsoft.com/office/drawing/2014/main" id="{AB63B486-32EC-62CB-509C-1481B22E9BCF}"/>
+                <a16:creationId xmlns:a16="http://schemas.microsoft.com/office/drawing/2014/main" id="{F0F8C92D-7472-1CBC-DABA-05776B089D2A}"/>
               </a:ext>
             </a:extLst>
           </p:cNvPr>
@@ -894,7 +894,7 @@
           <p:cNvPr id="6" name="灯片编号占位符 5">
             <a:extLst>
               <a:ext uri="{FF2B5EF4-FFF2-40B4-BE49-F238E27FC236}">
-                <a16:creationId xmlns:a16="http://schemas.microsoft.com/office/drawing/2014/main" id="{7688DD99-97C5-6298-99BB-4078C804B926}"/>
+                <a16:creationId xmlns:a16="http://schemas.microsoft.com/office/drawing/2014/main" id="{98C560D7-6EC6-5E4E-F91C-4EF4E09B730D}"/>
               </a:ext>
             </a:extLst>
           </p:cNvPr>
@@ -910,7 +910,7 @@
           <a:bodyPr/>
           <a:lstStyle/>
           <a:p>
-            <a:fld id="{19942172-357B-496B-8087-8916991FC31A}" type="slidenum">
+            <a:fld id="{324ED1B6-15AE-47D0-A1A2-2151DC21E407}" type="slidenum">
               <a:rPr lang="zh-CN" altLang="en-US" smtClean="0"/>
               <a:t>‹#›</a:t>
             </a:fld>
@@ -921,7 +921,7 @@
     </p:spTree>
     <p:extLst>
       <p:ext uri="{BB962C8B-B14F-4D97-AF65-F5344CB8AC3E}">
-        <p14:creationId xmlns:p14="http://schemas.microsoft.com/office/powerpoint/2010/main" val="1568815185"/>
+        <p14:creationId xmlns:p14="http://schemas.microsoft.com/office/powerpoint/2010/main" val="1242572077"/>
       </p:ext>
     </p:extLst>
   </p:cSld>
@@ -953,7 +953,7 @@
           <p:cNvPr id="2" name="标题 1">
             <a:extLst>
               <a:ext uri="{FF2B5EF4-FFF2-40B4-BE49-F238E27FC236}">
-                <a16:creationId xmlns:a16="http://schemas.microsoft.com/office/drawing/2014/main" id="{8E99938E-7112-434F-73EB-90CD4D4A4A89}"/>
+                <a16:creationId xmlns:a16="http://schemas.microsoft.com/office/drawing/2014/main" id="{E31572C8-94FE-CAEF-C687-6F68690DD19B}"/>
               </a:ext>
             </a:extLst>
           </p:cNvPr>
@@ -990,7 +990,7 @@
           <p:cNvPr id="3" name="文本占位符 2">
             <a:extLst>
               <a:ext uri="{FF2B5EF4-FFF2-40B4-BE49-F238E27FC236}">
-                <a16:creationId xmlns:a16="http://schemas.microsoft.com/office/drawing/2014/main" id="{53F3FB60-9219-8A3B-0657-218571304488}"/>
+                <a16:creationId xmlns:a16="http://schemas.microsoft.com/office/drawing/2014/main" id="{A1A01ED7-C0BD-99D9-B04C-2D040A9FC14B}"/>
               </a:ext>
             </a:extLst>
           </p:cNvPr>
@@ -1115,7 +1115,7 @@
           <p:cNvPr id="4" name="日期占位符 3">
             <a:extLst>
               <a:ext uri="{FF2B5EF4-FFF2-40B4-BE49-F238E27FC236}">
-                <a16:creationId xmlns:a16="http://schemas.microsoft.com/office/drawing/2014/main" id="{8678527F-A6D8-8305-A470-777097CFCC95}"/>
+                <a16:creationId xmlns:a16="http://schemas.microsoft.com/office/drawing/2014/main" id="{0F030EEE-2841-2E37-4F11-43C6144F070E}"/>
               </a:ext>
             </a:extLst>
           </p:cNvPr>
@@ -1131,7 +1131,7 @@
           <a:bodyPr/>
           <a:lstStyle/>
           <a:p>
-            <a:fld id="{507DEE7B-DE78-42BB-9E53-CE763C9A1634}" type="datetimeFigureOut">
+            <a:fld id="{F93EE9C0-59F9-43AD-925D-063E09DC2D68}" type="datetimeFigureOut">
               <a:rPr lang="zh-CN" altLang="en-US" smtClean="0"/>
               <a:t>2024/3/10</a:t>
             </a:fld>
@@ -1144,7 +1144,7 @@
           <p:cNvPr id="5" name="页脚占位符 4">
             <a:extLst>
               <a:ext uri="{FF2B5EF4-FFF2-40B4-BE49-F238E27FC236}">
-                <a16:creationId xmlns:a16="http://schemas.microsoft.com/office/drawing/2014/main" id="{DF40A32E-606B-A064-8790-D2459993A62D}"/>
+                <a16:creationId xmlns:a16="http://schemas.microsoft.com/office/drawing/2014/main" id="{6BEFB8A9-5F18-3B69-1C5C-FCD8DEB5725B}"/>
               </a:ext>
             </a:extLst>
           </p:cNvPr>
@@ -1169,7 +1169,7 @@
           <p:cNvPr id="6" name="灯片编号占位符 5">
             <a:extLst>
               <a:ext uri="{FF2B5EF4-FFF2-40B4-BE49-F238E27FC236}">
-                <a16:creationId xmlns:a16="http://schemas.microsoft.com/office/drawing/2014/main" id="{E64B1F01-6F06-E9D8-2C05-F481D0B1C574}"/>
+                <a16:creationId xmlns:a16="http://schemas.microsoft.com/office/drawing/2014/main" id="{7CDB1123-7E43-6904-32A1-B937081E9E22}"/>
               </a:ext>
             </a:extLst>
           </p:cNvPr>
@@ -1185,7 +1185,7 @@
           <a:bodyPr/>
           <a:lstStyle/>
           <a:p>
-            <a:fld id="{19942172-357B-496B-8087-8916991FC31A}" type="slidenum">
+            <a:fld id="{324ED1B6-15AE-47D0-A1A2-2151DC21E407}" type="slidenum">
               <a:rPr lang="zh-CN" altLang="en-US" smtClean="0"/>
               <a:t>‹#›</a:t>
             </a:fld>
@@ -1196,7 +1196,7 @@
     </p:spTree>
     <p:extLst>
       <p:ext uri="{BB962C8B-B14F-4D97-AF65-F5344CB8AC3E}">
-        <p14:creationId xmlns:p14="http://schemas.microsoft.com/office/powerpoint/2010/main" val="1208411929"/>
+        <p14:creationId xmlns:p14="http://schemas.microsoft.com/office/powerpoint/2010/main" val="351199681"/>
       </p:ext>
     </p:extLst>
   </p:cSld>
@@ -1228,7 +1228,7 @@
           <p:cNvPr id="2" name="标题 1">
             <a:extLst>
               <a:ext uri="{FF2B5EF4-FFF2-40B4-BE49-F238E27FC236}">
-                <a16:creationId xmlns:a16="http://schemas.microsoft.com/office/drawing/2014/main" id="{94EE6682-15D6-BF23-139C-6220FB299356}"/>
+                <a16:creationId xmlns:a16="http://schemas.microsoft.com/office/drawing/2014/main" id="{38063C6E-2D38-412A-4EA6-D10BAE560D6C}"/>
               </a:ext>
             </a:extLst>
           </p:cNvPr>
@@ -1256,7 +1256,7 @@
           <p:cNvPr id="3" name="内容占位符 2">
             <a:extLst>
               <a:ext uri="{FF2B5EF4-FFF2-40B4-BE49-F238E27FC236}">
-                <a16:creationId xmlns:a16="http://schemas.microsoft.com/office/drawing/2014/main" id="{BCCC1D9A-B26E-E11F-2AF1-3DC490325849}"/>
+                <a16:creationId xmlns:a16="http://schemas.microsoft.com/office/drawing/2014/main" id="{97B07ECC-0BE4-11C5-75EF-F78A5F8693BE}"/>
               </a:ext>
             </a:extLst>
           </p:cNvPr>
@@ -1318,7 +1318,7 @@
           <p:cNvPr id="4" name="内容占位符 3">
             <a:extLst>
               <a:ext uri="{FF2B5EF4-FFF2-40B4-BE49-F238E27FC236}">
-                <a16:creationId xmlns:a16="http://schemas.microsoft.com/office/drawing/2014/main" id="{1CB54B45-21B1-855C-9F23-240889EEC5CF}"/>
+                <a16:creationId xmlns:a16="http://schemas.microsoft.com/office/drawing/2014/main" id="{3B7100CE-6A12-E244-4EEA-BBD367A6FF71}"/>
               </a:ext>
             </a:extLst>
           </p:cNvPr>
@@ -1380,7 +1380,7 @@
           <p:cNvPr id="5" name="日期占位符 4">
             <a:extLst>
               <a:ext uri="{FF2B5EF4-FFF2-40B4-BE49-F238E27FC236}">
-                <a16:creationId xmlns:a16="http://schemas.microsoft.com/office/drawing/2014/main" id="{0DCA31DE-732F-3710-A9FF-DAA331C9A401}"/>
+                <a16:creationId xmlns:a16="http://schemas.microsoft.com/office/drawing/2014/main" id="{66712135-74A3-3298-0467-01D83EEDDF7A}"/>
               </a:ext>
             </a:extLst>
           </p:cNvPr>
@@ -1396,7 +1396,7 @@
           <a:bodyPr/>
           <a:lstStyle/>
           <a:p>
-            <a:fld id="{507DEE7B-DE78-42BB-9E53-CE763C9A1634}" type="datetimeFigureOut">
+            <a:fld id="{F93EE9C0-59F9-43AD-925D-063E09DC2D68}" type="datetimeFigureOut">
               <a:rPr lang="zh-CN" altLang="en-US" smtClean="0"/>
               <a:t>2024/3/10</a:t>
             </a:fld>
@@ -1409,7 +1409,7 @@
           <p:cNvPr id="6" name="页脚占位符 5">
             <a:extLst>
               <a:ext uri="{FF2B5EF4-FFF2-40B4-BE49-F238E27FC236}">
-                <a16:creationId xmlns:a16="http://schemas.microsoft.com/office/drawing/2014/main" id="{C42FD522-64F6-DC03-89CC-F0B5E54C97E5}"/>
+                <a16:creationId xmlns:a16="http://schemas.microsoft.com/office/drawing/2014/main" id="{099A9892-2979-7D16-0436-1DE6654351C3}"/>
               </a:ext>
             </a:extLst>
           </p:cNvPr>
@@ -1434,7 +1434,7 @@
           <p:cNvPr id="7" name="灯片编号占位符 6">
             <a:extLst>
               <a:ext uri="{FF2B5EF4-FFF2-40B4-BE49-F238E27FC236}">
-                <a16:creationId xmlns:a16="http://schemas.microsoft.com/office/drawing/2014/main" id="{4B1DB2B6-2AAB-9A49-3FF9-1559981AEBA0}"/>
+                <a16:creationId xmlns:a16="http://schemas.microsoft.com/office/drawing/2014/main" id="{DD124F67-8052-512D-EC69-45B77B641078}"/>
               </a:ext>
             </a:extLst>
           </p:cNvPr>
@@ -1450,7 +1450,7 @@
           <a:bodyPr/>
           <a:lstStyle/>
           <a:p>
-            <a:fld id="{19942172-357B-496B-8087-8916991FC31A}" type="slidenum">
+            <a:fld id="{324ED1B6-15AE-47D0-A1A2-2151DC21E407}" type="slidenum">
               <a:rPr lang="zh-CN" altLang="en-US" smtClean="0"/>
               <a:t>‹#›</a:t>
             </a:fld>
@@ -1461,7 +1461,7 @@
     </p:spTree>
     <p:extLst>
       <p:ext uri="{BB962C8B-B14F-4D97-AF65-F5344CB8AC3E}">
-        <p14:creationId xmlns:p14="http://schemas.microsoft.com/office/powerpoint/2010/main" val="3031096895"/>
+        <p14:creationId xmlns:p14="http://schemas.microsoft.com/office/powerpoint/2010/main" val="2550268220"/>
       </p:ext>
     </p:extLst>
   </p:cSld>
@@ -1493,7 +1493,7 @@
           <p:cNvPr id="2" name="标题 1">
             <a:extLst>
               <a:ext uri="{FF2B5EF4-FFF2-40B4-BE49-F238E27FC236}">
-                <a16:creationId xmlns:a16="http://schemas.microsoft.com/office/drawing/2014/main" id="{02B56FB0-4BDE-7890-B554-A550DE59CA7C}"/>
+                <a16:creationId xmlns:a16="http://schemas.microsoft.com/office/drawing/2014/main" id="{87AAB8EC-B4DC-F9D6-CD9A-BB1D048414D3}"/>
               </a:ext>
             </a:extLst>
           </p:cNvPr>
@@ -1526,7 +1526,7 @@
           <p:cNvPr id="3" name="文本占位符 2">
             <a:extLst>
               <a:ext uri="{FF2B5EF4-FFF2-40B4-BE49-F238E27FC236}">
-                <a16:creationId xmlns:a16="http://schemas.microsoft.com/office/drawing/2014/main" id="{F16524E4-0625-6952-8C07-EAD5557DBE91}"/>
+                <a16:creationId xmlns:a16="http://schemas.microsoft.com/office/drawing/2014/main" id="{8045170C-D32C-6A86-7E17-E4C6ACCB9725}"/>
               </a:ext>
             </a:extLst>
           </p:cNvPr>
@@ -1597,7 +1597,7 @@
           <p:cNvPr id="4" name="内容占位符 3">
             <a:extLst>
               <a:ext uri="{FF2B5EF4-FFF2-40B4-BE49-F238E27FC236}">
-                <a16:creationId xmlns:a16="http://schemas.microsoft.com/office/drawing/2014/main" id="{8E953C7A-9577-1B74-EF8F-E70C92925B95}"/>
+                <a16:creationId xmlns:a16="http://schemas.microsoft.com/office/drawing/2014/main" id="{1DDFA39F-BF60-DE3B-AFBF-AACC735216D1}"/>
               </a:ext>
             </a:extLst>
           </p:cNvPr>
@@ -1659,7 +1659,7 @@
           <p:cNvPr id="5" name="文本占位符 4">
             <a:extLst>
               <a:ext uri="{FF2B5EF4-FFF2-40B4-BE49-F238E27FC236}">
-                <a16:creationId xmlns:a16="http://schemas.microsoft.com/office/drawing/2014/main" id="{36B08F42-1D19-6913-D7D3-8FA2BEB0EDE0}"/>
+                <a16:creationId xmlns:a16="http://schemas.microsoft.com/office/drawing/2014/main" id="{786C45A2-41B7-FEBC-6354-E4060D3F6DC7}"/>
               </a:ext>
             </a:extLst>
           </p:cNvPr>
@@ -1730,7 +1730,7 @@
           <p:cNvPr id="6" name="内容占位符 5">
             <a:extLst>
               <a:ext uri="{FF2B5EF4-FFF2-40B4-BE49-F238E27FC236}">
-                <a16:creationId xmlns:a16="http://schemas.microsoft.com/office/drawing/2014/main" id="{DA83FC73-177B-CD0C-420E-07B4D885400D}"/>
+                <a16:creationId xmlns:a16="http://schemas.microsoft.com/office/drawing/2014/main" id="{0B934041-8497-3815-890D-AD45AB28F03D}"/>
               </a:ext>
             </a:extLst>
           </p:cNvPr>
@@ -1792,7 +1792,7 @@
           <p:cNvPr id="7" name="日期占位符 6">
             <a:extLst>
               <a:ext uri="{FF2B5EF4-FFF2-40B4-BE49-F238E27FC236}">
-                <a16:creationId xmlns:a16="http://schemas.microsoft.com/office/drawing/2014/main" id="{AF90B28A-7AA5-E58C-4C68-9B148E244FBF}"/>
+                <a16:creationId xmlns:a16="http://schemas.microsoft.com/office/drawing/2014/main" id="{7BBB580F-76BF-D214-9255-5DDCDBE7AE52}"/>
               </a:ext>
             </a:extLst>
           </p:cNvPr>
@@ -1808,7 +1808,7 @@
           <a:bodyPr/>
           <a:lstStyle/>
           <a:p>
-            <a:fld id="{507DEE7B-DE78-42BB-9E53-CE763C9A1634}" type="datetimeFigureOut">
+            <a:fld id="{F93EE9C0-59F9-43AD-925D-063E09DC2D68}" type="datetimeFigureOut">
               <a:rPr lang="zh-CN" altLang="en-US" smtClean="0"/>
               <a:t>2024/3/10</a:t>
             </a:fld>
@@ -1821,7 +1821,7 @@
           <p:cNvPr id="8" name="页脚占位符 7">
             <a:extLst>
               <a:ext uri="{FF2B5EF4-FFF2-40B4-BE49-F238E27FC236}">
-                <a16:creationId xmlns:a16="http://schemas.microsoft.com/office/drawing/2014/main" id="{68931151-A6BA-9759-9B41-346B9BF14EFF}"/>
+                <a16:creationId xmlns:a16="http://schemas.microsoft.com/office/drawing/2014/main" id="{8127B93E-38B3-34BB-1BD1-6901B112C2F4}"/>
               </a:ext>
             </a:extLst>
           </p:cNvPr>
@@ -1846,7 +1846,7 @@
           <p:cNvPr id="9" name="灯片编号占位符 8">
             <a:extLst>
               <a:ext uri="{FF2B5EF4-FFF2-40B4-BE49-F238E27FC236}">
-                <a16:creationId xmlns:a16="http://schemas.microsoft.com/office/drawing/2014/main" id="{5A05BAD6-EB03-8D9A-86CC-2411C0B85B58}"/>
+                <a16:creationId xmlns:a16="http://schemas.microsoft.com/office/drawing/2014/main" id="{CE596E11-8D97-D97F-C1C8-8039D8AF917D}"/>
               </a:ext>
             </a:extLst>
           </p:cNvPr>
@@ -1862,7 +1862,7 @@
           <a:bodyPr/>
           <a:lstStyle/>
           <a:p>
-            <a:fld id="{19942172-357B-496B-8087-8916991FC31A}" type="slidenum">
+            <a:fld id="{324ED1B6-15AE-47D0-A1A2-2151DC21E407}" type="slidenum">
               <a:rPr lang="zh-CN" altLang="en-US" smtClean="0"/>
               <a:t>‹#›</a:t>
             </a:fld>
@@ -1873,7 +1873,7 @@
     </p:spTree>
     <p:extLst>
       <p:ext uri="{BB962C8B-B14F-4D97-AF65-F5344CB8AC3E}">
-        <p14:creationId xmlns:p14="http://schemas.microsoft.com/office/powerpoint/2010/main" val="1413841634"/>
+        <p14:creationId xmlns:p14="http://schemas.microsoft.com/office/powerpoint/2010/main" val="272690667"/>
       </p:ext>
     </p:extLst>
   </p:cSld>
@@ -1905,7 +1905,7 @@
           <p:cNvPr id="2" name="标题 1">
             <a:extLst>
               <a:ext uri="{FF2B5EF4-FFF2-40B4-BE49-F238E27FC236}">
-                <a16:creationId xmlns:a16="http://schemas.microsoft.com/office/drawing/2014/main" id="{9EFBC49F-0E80-3BBB-3AA7-9249F3E9616D}"/>
+                <a16:creationId xmlns:a16="http://schemas.microsoft.com/office/drawing/2014/main" id="{F402D9D8-A2EF-521A-1A97-F60640E95D8C}"/>
               </a:ext>
             </a:extLst>
           </p:cNvPr>
@@ -1933,7 +1933,7 @@
           <p:cNvPr id="3" name="日期占位符 2">
             <a:extLst>
               <a:ext uri="{FF2B5EF4-FFF2-40B4-BE49-F238E27FC236}">
-                <a16:creationId xmlns:a16="http://schemas.microsoft.com/office/drawing/2014/main" id="{3A6F5F1F-2EA7-E170-31FC-08203A2B0E74}"/>
+                <a16:creationId xmlns:a16="http://schemas.microsoft.com/office/drawing/2014/main" id="{EAD71211-77E2-7652-70C8-2122A5D7C630}"/>
               </a:ext>
             </a:extLst>
           </p:cNvPr>
@@ -1949,7 +1949,7 @@
           <a:bodyPr/>
           <a:lstStyle/>
           <a:p>
-            <a:fld id="{507DEE7B-DE78-42BB-9E53-CE763C9A1634}" type="datetimeFigureOut">
+            <a:fld id="{F93EE9C0-59F9-43AD-925D-063E09DC2D68}" type="datetimeFigureOut">
               <a:rPr lang="zh-CN" altLang="en-US" smtClean="0"/>
               <a:t>2024/3/10</a:t>
             </a:fld>
@@ -1962,7 +1962,7 @@
           <p:cNvPr id="4" name="页脚占位符 3">
             <a:extLst>
               <a:ext uri="{FF2B5EF4-FFF2-40B4-BE49-F238E27FC236}">
-                <a16:creationId xmlns:a16="http://schemas.microsoft.com/office/drawing/2014/main" id="{8A4A695B-E84B-C57B-7B37-4405B39A85A7}"/>
+                <a16:creationId xmlns:a16="http://schemas.microsoft.com/office/drawing/2014/main" id="{88E7DA33-8BA3-9E63-7F80-7A45CBD0DF0F}"/>
               </a:ext>
             </a:extLst>
           </p:cNvPr>
@@ -1987,7 +1987,7 @@
           <p:cNvPr id="5" name="灯片编号占位符 4">
             <a:extLst>
               <a:ext uri="{FF2B5EF4-FFF2-40B4-BE49-F238E27FC236}">
-                <a16:creationId xmlns:a16="http://schemas.microsoft.com/office/drawing/2014/main" id="{15692FE8-092B-7409-3CA7-C3ED5E92C191}"/>
+                <a16:creationId xmlns:a16="http://schemas.microsoft.com/office/drawing/2014/main" id="{46CDEC7D-7EC0-0738-9A73-E32C7BCEA135}"/>
               </a:ext>
             </a:extLst>
           </p:cNvPr>
@@ -2003,7 +2003,7 @@
           <a:bodyPr/>
           <a:lstStyle/>
           <a:p>
-            <a:fld id="{19942172-357B-496B-8087-8916991FC31A}" type="slidenum">
+            <a:fld id="{324ED1B6-15AE-47D0-A1A2-2151DC21E407}" type="slidenum">
               <a:rPr lang="zh-CN" altLang="en-US" smtClean="0"/>
               <a:t>‹#›</a:t>
             </a:fld>
@@ -2014,7 +2014,7 @@
     </p:spTree>
     <p:extLst>
       <p:ext uri="{BB962C8B-B14F-4D97-AF65-F5344CB8AC3E}">
-        <p14:creationId xmlns:p14="http://schemas.microsoft.com/office/powerpoint/2010/main" val="2701418496"/>
+        <p14:creationId xmlns:p14="http://schemas.microsoft.com/office/powerpoint/2010/main" val="239754058"/>
       </p:ext>
     </p:extLst>
   </p:cSld>
@@ -2046,7 +2046,7 @@
           <p:cNvPr id="2" name="日期占位符 1">
             <a:extLst>
               <a:ext uri="{FF2B5EF4-FFF2-40B4-BE49-F238E27FC236}">
-                <a16:creationId xmlns:a16="http://schemas.microsoft.com/office/drawing/2014/main" id="{268A0FA9-48EF-CD13-28D7-BF18F23EA3EE}"/>
+                <a16:creationId xmlns:a16="http://schemas.microsoft.com/office/drawing/2014/main" id="{7113B3FB-69A8-35F2-D4F5-0C518B48F35B}"/>
               </a:ext>
             </a:extLst>
           </p:cNvPr>
@@ -2062,7 +2062,7 @@
           <a:bodyPr/>
           <a:lstStyle/>
           <a:p>
-            <a:fld id="{507DEE7B-DE78-42BB-9E53-CE763C9A1634}" type="datetimeFigureOut">
+            <a:fld id="{F93EE9C0-59F9-43AD-925D-063E09DC2D68}" type="datetimeFigureOut">
               <a:rPr lang="zh-CN" altLang="en-US" smtClean="0"/>
               <a:t>2024/3/10</a:t>
             </a:fld>
@@ -2075,7 +2075,7 @@
           <p:cNvPr id="3" name="页脚占位符 2">
             <a:extLst>
               <a:ext uri="{FF2B5EF4-FFF2-40B4-BE49-F238E27FC236}">
-                <a16:creationId xmlns:a16="http://schemas.microsoft.com/office/drawing/2014/main" id="{232CD8FB-6632-88D4-46A7-A6DF8EBADD19}"/>
+                <a16:creationId xmlns:a16="http://schemas.microsoft.com/office/drawing/2014/main" id="{F9D39697-FE68-A422-4A67-A955BE76244F}"/>
               </a:ext>
             </a:extLst>
           </p:cNvPr>
@@ -2100,7 +2100,7 @@
           <p:cNvPr id="4" name="灯片编号占位符 3">
             <a:extLst>
               <a:ext uri="{FF2B5EF4-FFF2-40B4-BE49-F238E27FC236}">
-                <a16:creationId xmlns:a16="http://schemas.microsoft.com/office/drawing/2014/main" id="{CD995A7A-3E31-F8BF-8E70-9A7267D6B65E}"/>
+                <a16:creationId xmlns:a16="http://schemas.microsoft.com/office/drawing/2014/main" id="{B9E093F6-4371-A818-5694-7D81A50FBFD4}"/>
               </a:ext>
             </a:extLst>
           </p:cNvPr>
@@ -2116,7 +2116,7 @@
           <a:bodyPr/>
           <a:lstStyle/>
           <a:p>
-            <a:fld id="{19942172-357B-496B-8087-8916991FC31A}" type="slidenum">
+            <a:fld id="{324ED1B6-15AE-47D0-A1A2-2151DC21E407}" type="slidenum">
               <a:rPr lang="zh-CN" altLang="en-US" smtClean="0"/>
               <a:t>‹#›</a:t>
             </a:fld>
@@ -2127,7 +2127,7 @@
     </p:spTree>
     <p:extLst>
       <p:ext uri="{BB962C8B-B14F-4D97-AF65-F5344CB8AC3E}">
-        <p14:creationId xmlns:p14="http://schemas.microsoft.com/office/powerpoint/2010/main" val="2950401597"/>
+        <p14:creationId xmlns:p14="http://schemas.microsoft.com/office/powerpoint/2010/main" val="2357191056"/>
       </p:ext>
     </p:extLst>
   </p:cSld>
@@ -2159,7 +2159,7 @@
           <p:cNvPr id="2" name="标题 1">
             <a:extLst>
               <a:ext uri="{FF2B5EF4-FFF2-40B4-BE49-F238E27FC236}">
-                <a16:creationId xmlns:a16="http://schemas.microsoft.com/office/drawing/2014/main" id="{9380349B-00B3-892C-2D67-2B9672C6E52D}"/>
+                <a16:creationId xmlns:a16="http://schemas.microsoft.com/office/drawing/2014/main" id="{311D0C53-2AE7-0745-C35F-E3CE51A18787}"/>
               </a:ext>
             </a:extLst>
           </p:cNvPr>
@@ -2196,7 +2196,7 @@
           <p:cNvPr id="3" name="内容占位符 2">
             <a:extLst>
               <a:ext uri="{FF2B5EF4-FFF2-40B4-BE49-F238E27FC236}">
-                <a16:creationId xmlns:a16="http://schemas.microsoft.com/office/drawing/2014/main" id="{4379B03A-4A8E-CFF1-B0B5-3828A385F56B}"/>
+                <a16:creationId xmlns:a16="http://schemas.microsoft.com/office/drawing/2014/main" id="{1E6ACBA4-872A-307F-FDB8-ADBC77BFE45E}"/>
               </a:ext>
             </a:extLst>
           </p:cNvPr>
@@ -2286,7 +2286,7 @@
           <p:cNvPr id="4" name="文本占位符 3">
             <a:extLst>
               <a:ext uri="{FF2B5EF4-FFF2-40B4-BE49-F238E27FC236}">
-                <a16:creationId xmlns:a16="http://schemas.microsoft.com/office/drawing/2014/main" id="{C6116E4E-65B3-7250-C5C2-59378EA6452A}"/>
+                <a16:creationId xmlns:a16="http://schemas.microsoft.com/office/drawing/2014/main" id="{EAA9D048-6531-57F4-648E-3F08259F376A}"/>
               </a:ext>
             </a:extLst>
           </p:cNvPr>
@@ -2357,7 +2357,7 @@
           <p:cNvPr id="5" name="日期占位符 4">
             <a:extLst>
               <a:ext uri="{FF2B5EF4-FFF2-40B4-BE49-F238E27FC236}">
-                <a16:creationId xmlns:a16="http://schemas.microsoft.com/office/drawing/2014/main" id="{237297CF-58D4-1A1F-055C-83EF10DB5B2B}"/>
+                <a16:creationId xmlns:a16="http://schemas.microsoft.com/office/drawing/2014/main" id="{D9479467-18FD-BC62-0A17-163FE21B12E0}"/>
               </a:ext>
             </a:extLst>
           </p:cNvPr>
@@ -2373,7 +2373,7 @@
           <a:bodyPr/>
           <a:lstStyle/>
           <a:p>
-            <a:fld id="{507DEE7B-DE78-42BB-9E53-CE763C9A1634}" type="datetimeFigureOut">
+            <a:fld id="{F93EE9C0-59F9-43AD-925D-063E09DC2D68}" type="datetimeFigureOut">
               <a:rPr lang="zh-CN" altLang="en-US" smtClean="0"/>
               <a:t>2024/3/10</a:t>
             </a:fld>
@@ -2386,7 +2386,7 @@
           <p:cNvPr id="6" name="页脚占位符 5">
             <a:extLst>
               <a:ext uri="{FF2B5EF4-FFF2-40B4-BE49-F238E27FC236}">
-                <a16:creationId xmlns:a16="http://schemas.microsoft.com/office/drawing/2014/main" id="{E4422BE3-597D-C651-65C0-C591F28C69DD}"/>
+                <a16:creationId xmlns:a16="http://schemas.microsoft.com/office/drawing/2014/main" id="{8DE01E74-19EE-5CF4-253F-CF36A5B963EA}"/>
               </a:ext>
             </a:extLst>
           </p:cNvPr>
@@ -2411,7 +2411,7 @@
           <p:cNvPr id="7" name="灯片编号占位符 6">
             <a:extLst>
               <a:ext uri="{FF2B5EF4-FFF2-40B4-BE49-F238E27FC236}">
-                <a16:creationId xmlns:a16="http://schemas.microsoft.com/office/drawing/2014/main" id="{E9F2E26D-CD8D-37F9-AB48-740E50B84455}"/>
+                <a16:creationId xmlns:a16="http://schemas.microsoft.com/office/drawing/2014/main" id="{EB699BDA-D7C6-6311-24F7-F45780D2D13F}"/>
               </a:ext>
             </a:extLst>
           </p:cNvPr>
@@ -2427,7 +2427,7 @@
           <a:bodyPr/>
           <a:lstStyle/>
           <a:p>
-            <a:fld id="{19942172-357B-496B-8087-8916991FC31A}" type="slidenum">
+            <a:fld id="{324ED1B6-15AE-47D0-A1A2-2151DC21E407}" type="slidenum">
               <a:rPr lang="zh-CN" altLang="en-US" smtClean="0"/>
               <a:t>‹#›</a:t>
             </a:fld>
@@ -2438,7 +2438,7 @@
     </p:spTree>
     <p:extLst>
       <p:ext uri="{BB962C8B-B14F-4D97-AF65-F5344CB8AC3E}">
-        <p14:creationId xmlns:p14="http://schemas.microsoft.com/office/powerpoint/2010/main" val="3474332884"/>
+        <p14:creationId xmlns:p14="http://schemas.microsoft.com/office/powerpoint/2010/main" val="1511589864"/>
       </p:ext>
     </p:extLst>
   </p:cSld>
@@ -2470,7 +2470,7 @@
           <p:cNvPr id="2" name="标题 1">
             <a:extLst>
               <a:ext uri="{FF2B5EF4-FFF2-40B4-BE49-F238E27FC236}">
-                <a16:creationId xmlns:a16="http://schemas.microsoft.com/office/drawing/2014/main" id="{5C94E252-9724-A386-FFCF-C3793E3AE7A7}"/>
+                <a16:creationId xmlns:a16="http://schemas.microsoft.com/office/drawing/2014/main" id="{252651FD-E291-A452-8C13-755EA06020A8}"/>
               </a:ext>
             </a:extLst>
           </p:cNvPr>
@@ -2507,7 +2507,7 @@
           <p:cNvPr id="3" name="图片占位符 2">
             <a:extLst>
               <a:ext uri="{FF2B5EF4-FFF2-40B4-BE49-F238E27FC236}">
-                <a16:creationId xmlns:a16="http://schemas.microsoft.com/office/drawing/2014/main" id="{D2885534-7CB7-E2B1-092B-45D956186A62}"/>
+                <a16:creationId xmlns:a16="http://schemas.microsoft.com/office/drawing/2014/main" id="{3AA6D9DE-25A8-818B-C817-295D6327A987}"/>
               </a:ext>
             </a:extLst>
           </p:cNvPr>
@@ -2574,7 +2574,7 @@
           <p:cNvPr id="4" name="文本占位符 3">
             <a:extLst>
               <a:ext uri="{FF2B5EF4-FFF2-40B4-BE49-F238E27FC236}">
-                <a16:creationId xmlns:a16="http://schemas.microsoft.com/office/drawing/2014/main" id="{5A4386B5-7831-8C83-A886-2D06F96D3238}"/>
+                <a16:creationId xmlns:a16="http://schemas.microsoft.com/office/drawing/2014/main" id="{9D115F10-1128-AE05-751D-E0B29DDDD67D}"/>
               </a:ext>
             </a:extLst>
           </p:cNvPr>
@@ -2645,7 +2645,7 @@
           <p:cNvPr id="5" name="日期占位符 4">
             <a:extLst>
               <a:ext uri="{FF2B5EF4-FFF2-40B4-BE49-F238E27FC236}">
-                <a16:creationId xmlns:a16="http://schemas.microsoft.com/office/drawing/2014/main" id="{E4FA13F2-BBA2-B6BD-7C6C-DBAC116054DF}"/>
+                <a16:creationId xmlns:a16="http://schemas.microsoft.com/office/drawing/2014/main" id="{80D5F84E-D80C-4A57-D379-2064AC8E71BD}"/>
               </a:ext>
             </a:extLst>
           </p:cNvPr>
@@ -2661,7 +2661,7 @@
           <a:bodyPr/>
           <a:lstStyle/>
           <a:p>
-            <a:fld id="{507DEE7B-DE78-42BB-9E53-CE763C9A1634}" type="datetimeFigureOut">
+            <a:fld id="{F93EE9C0-59F9-43AD-925D-063E09DC2D68}" type="datetimeFigureOut">
               <a:rPr lang="zh-CN" altLang="en-US" smtClean="0"/>
               <a:t>2024/3/10</a:t>
             </a:fld>
@@ -2674,7 +2674,7 @@
           <p:cNvPr id="6" name="页脚占位符 5">
             <a:extLst>
               <a:ext uri="{FF2B5EF4-FFF2-40B4-BE49-F238E27FC236}">
-                <a16:creationId xmlns:a16="http://schemas.microsoft.com/office/drawing/2014/main" id="{5825D1C8-3723-E5D3-2EA6-4850F814BBD2}"/>
+                <a16:creationId xmlns:a16="http://schemas.microsoft.com/office/drawing/2014/main" id="{0B449BD5-5E7B-AA04-A3A9-307D11501DFA}"/>
               </a:ext>
             </a:extLst>
           </p:cNvPr>
@@ -2699,7 +2699,7 @@
           <p:cNvPr id="7" name="灯片编号占位符 6">
             <a:extLst>
               <a:ext uri="{FF2B5EF4-FFF2-40B4-BE49-F238E27FC236}">
-                <a16:creationId xmlns:a16="http://schemas.microsoft.com/office/drawing/2014/main" id="{173612AE-2755-FC74-9883-F6EDBEE41FC2}"/>
+                <a16:creationId xmlns:a16="http://schemas.microsoft.com/office/drawing/2014/main" id="{F505E430-8301-6E16-2196-E6E0BB9B39DB}"/>
               </a:ext>
             </a:extLst>
           </p:cNvPr>
@@ -2715,7 +2715,7 @@
           <a:bodyPr/>
           <a:lstStyle/>
           <a:p>
-            <a:fld id="{19942172-357B-496B-8087-8916991FC31A}" type="slidenum">
+            <a:fld id="{324ED1B6-15AE-47D0-A1A2-2151DC21E407}" type="slidenum">
               <a:rPr lang="zh-CN" altLang="en-US" smtClean="0"/>
               <a:t>‹#›</a:t>
             </a:fld>
@@ -2726,7 +2726,7 @@
     </p:spTree>
     <p:extLst>
       <p:ext uri="{BB962C8B-B14F-4D97-AF65-F5344CB8AC3E}">
-        <p14:creationId xmlns:p14="http://schemas.microsoft.com/office/powerpoint/2010/main" val="212311000"/>
+        <p14:creationId xmlns:p14="http://schemas.microsoft.com/office/powerpoint/2010/main" val="1963961753"/>
       </p:ext>
     </p:extLst>
   </p:cSld>
@@ -2763,7 +2763,7 @@
           <p:cNvPr id="2" name="标题占位符 1">
             <a:extLst>
               <a:ext uri="{FF2B5EF4-FFF2-40B4-BE49-F238E27FC236}">
-                <a16:creationId xmlns:a16="http://schemas.microsoft.com/office/drawing/2014/main" id="{B0420A3B-B389-DE8A-D9BA-645343C3111E}"/>
+                <a16:creationId xmlns:a16="http://schemas.microsoft.com/office/drawing/2014/main" id="{26F2EC76-3210-3911-43D3-8F89CF31873D}"/>
               </a:ext>
             </a:extLst>
           </p:cNvPr>
@@ -2801,7 +2801,7 @@
           <p:cNvPr id="3" name="文本占位符 2">
             <a:extLst>
               <a:ext uri="{FF2B5EF4-FFF2-40B4-BE49-F238E27FC236}">
-                <a16:creationId xmlns:a16="http://schemas.microsoft.com/office/drawing/2014/main" id="{EE747120-C776-42FC-08F1-26ED618BE3F2}"/>
+                <a16:creationId xmlns:a16="http://schemas.microsoft.com/office/drawing/2014/main" id="{3804A95C-153A-373D-04AF-057132CA1192}"/>
               </a:ext>
             </a:extLst>
           </p:cNvPr>
@@ -2868,7 +2868,7 @@
           <p:cNvPr id="4" name="日期占位符 3">
             <a:extLst>
               <a:ext uri="{FF2B5EF4-FFF2-40B4-BE49-F238E27FC236}">
-                <a16:creationId xmlns:a16="http://schemas.microsoft.com/office/drawing/2014/main" id="{72C2CC7C-03E5-C1AB-5A36-935EAFA1AD8D}"/>
+                <a16:creationId xmlns:a16="http://schemas.microsoft.com/office/drawing/2014/main" id="{26809D27-52E5-7C7D-E3E7-D74098E2298F}"/>
               </a:ext>
             </a:extLst>
           </p:cNvPr>
@@ -2902,7 +2902,7 @@
             </a:lvl1pPr>
           </a:lstStyle>
           <a:p>
-            <a:fld id="{507DEE7B-DE78-42BB-9E53-CE763C9A1634}" type="datetimeFigureOut">
+            <a:fld id="{F93EE9C0-59F9-43AD-925D-063E09DC2D68}" type="datetimeFigureOut">
               <a:rPr lang="zh-CN" altLang="en-US" smtClean="0"/>
               <a:t>2024/3/10</a:t>
             </a:fld>
@@ -2915,7 +2915,7 @@
           <p:cNvPr id="5" name="页脚占位符 4">
             <a:extLst>
               <a:ext uri="{FF2B5EF4-FFF2-40B4-BE49-F238E27FC236}">
-                <a16:creationId xmlns:a16="http://schemas.microsoft.com/office/drawing/2014/main" id="{0E37A281-F0F1-FDDA-5E08-0E53F9935B12}"/>
+                <a16:creationId xmlns:a16="http://schemas.microsoft.com/office/drawing/2014/main" id="{55FCD314-3800-346D-C73C-018D4BA97778}"/>
               </a:ext>
             </a:extLst>
           </p:cNvPr>
@@ -2958,7 +2958,7 @@
           <p:cNvPr id="6" name="灯片编号占位符 5">
             <a:extLst>
               <a:ext uri="{FF2B5EF4-FFF2-40B4-BE49-F238E27FC236}">
-                <a16:creationId xmlns:a16="http://schemas.microsoft.com/office/drawing/2014/main" id="{B9B5016C-A20B-D025-B789-B9944EE74935}"/>
+                <a16:creationId xmlns:a16="http://schemas.microsoft.com/office/drawing/2014/main" id="{1BC1301B-2885-BF53-64A9-F64555AF0D6E}"/>
               </a:ext>
             </a:extLst>
           </p:cNvPr>
@@ -2992,7 +2992,7 @@
             </a:lvl1pPr>
           </a:lstStyle>
           <a:p>
-            <a:fld id="{19942172-357B-496B-8087-8916991FC31A}" type="slidenum">
+            <a:fld id="{324ED1B6-15AE-47D0-A1A2-2151DC21E407}" type="slidenum">
               <a:rPr lang="zh-CN" altLang="en-US" smtClean="0"/>
               <a:t>‹#›</a:t>
             </a:fld>
@@ -3003,7 +3003,7 @@
     </p:spTree>
     <p:extLst>
       <p:ext uri="{BB962C8B-B14F-4D97-AF65-F5344CB8AC3E}">
-        <p14:creationId xmlns:p14="http://schemas.microsoft.com/office/powerpoint/2010/main" val="686247478"/>
+        <p14:creationId xmlns:p14="http://schemas.microsoft.com/office/powerpoint/2010/main" val="51907004"/>
       </p:ext>
     </p:extLst>
   </p:cSld>
